--- a/Презентация.pptx
+++ b/Презентация.pptx
@@ -5,7 +5,7 @@
     <p:sldMasterId id="2147483648" r:id="rId1"/>
   </p:sldMasterIdLst>
   <p:sldIdLst>
-    <p:sldId id="256" r:id="rId2"/>
+    <p:sldId id="267" r:id="rId2"/>
     <p:sldId id="257" r:id="rId3"/>
     <p:sldId id="258" r:id="rId4"/>
     <p:sldId id="260" r:id="rId5"/>
@@ -2900,135 +2900,546 @@
       </p:grpSpPr>
       <p:sp>
         <p:nvSpPr>
-          <p:cNvPr id="2" name="Title 1"/>
-          <p:cNvSpPr>
-            <a:spLocks noGrp="1"/>
-          </p:cNvSpPr>
-          <p:nvPr>
-            <p:ph type="ctrTitle"/>
-          </p:nvPr>
-        </p:nvSpPr>
-        <p:spPr>
-          <a:xfrm>
-            <a:off x="1524000" y="691198"/>
-            <a:ext cx="9144000" cy="2387600"/>
-          </a:xfrm>
-        </p:spPr>
-        <p:txBody>
-          <a:bodyPr/>
-          <a:lstStyle/>
-          <a:p>
-            <a:r>
-              <a:rPr lang="ru-RU" sz="4800" dirty="0"/>
-              <a:t>Master-</a:t>
-            </a:r>
-            <a:r>
-              <a:rPr lang="ru-RU" sz="4800" dirty="0" err="1"/>
-              <a:t>slave</a:t>
-            </a:r>
-            <a:r>
-              <a:rPr lang="ru-RU" sz="4800" dirty="0"/>
-              <a:t> система на основе TCP для применения оператора Робертса к изображению</a:t>
-            </a:r>
-            <a:endParaRPr lang="en-US" sz="4800" dirty="0"/>
-          </a:p>
-        </p:txBody>
-      </p:sp>
-      <p:sp>
-        <p:nvSpPr>
-          <p:cNvPr id="3" name="Subtitle 2"/>
-          <p:cNvSpPr>
-            <a:spLocks noGrp="1"/>
-          </p:cNvSpPr>
-          <p:nvPr>
-            <p:ph type="subTitle" idx="1"/>
-          </p:nvPr>
-        </p:nvSpPr>
-        <p:spPr>
-          <a:xfrm>
-            <a:off x="6671945" y="4832668"/>
-            <a:ext cx="9144000" cy="1655762"/>
-          </a:xfrm>
-        </p:spPr>
-        <p:txBody>
-          <a:bodyPr/>
-          <a:lstStyle/>
-          <a:p>
-            <a:pPr algn="l"/>
+          <p:cNvPr id="5" name="TextBox 4">
+            <a:extLst>
+              <a:ext uri="{FF2B5EF4-FFF2-40B4-BE49-F238E27FC236}">
+                <a16:creationId xmlns:a16="http://schemas.microsoft.com/office/drawing/2014/main" id="{54EDACA2-0D6D-49B5-9340-897185AAF468}"/>
+              </a:ext>
+            </a:extLst>
+          </p:cNvPr>
+          <p:cNvSpPr txBox="1"/>
+          <p:nvPr/>
+        </p:nvSpPr>
+        <p:spPr>
+          <a:xfrm>
+            <a:off x="0" y="0"/>
+            <a:ext cx="12192000" cy="4812279"/>
+          </a:xfrm>
+          <a:prstGeom prst="rect">
+            <a:avLst/>
+          </a:prstGeom>
+          <a:noFill/>
+        </p:spPr>
+        <p:txBody>
+          <a:bodyPr wrap="square">
+            <a:spAutoFit/>
+          </a:bodyPr>
+          <a:lstStyle/>
+          <a:p>
+            <a:pPr algn="ctr"/>
+            <a:r>
+              <a:rPr lang="ru-RU" sz="1800" dirty="0">
+                <a:effectLst/>
+                <a:latin typeface="Times New Roman" panose="02020603050405020304" pitchFamily="18" charset="0"/>
+                <a:ea typeface="Times New Roman" panose="02020603050405020304" pitchFamily="18" charset="0"/>
+                <a:cs typeface="Times New Roman" panose="02020603050405020304" pitchFamily="18" charset="0"/>
+              </a:rPr>
+              <a:t>МИНИСТЕРСТВО ОБРАЗОВАНИЯ РЕСПУБЛИКИ БЕЛАРУСЬ</a:t>
+            </a:r>
+            <a:endParaRPr lang="ru-RU" sz="1400" dirty="0">
+              <a:effectLst/>
+              <a:latin typeface="Calibri" panose="020F0502020204030204" pitchFamily="34" charset="0"/>
+              <a:ea typeface="Calibri" panose="020F0502020204030204" pitchFamily="34" charset="0"/>
+              <a:cs typeface="Times New Roman" panose="02020603050405020304" pitchFamily="18" charset="0"/>
+            </a:endParaRPr>
+          </a:p>
+          <a:p>
+            <a:pPr algn="ctr"/>
+            <a:r>
+              <a:rPr lang="ru-RU" sz="1800" dirty="0">
+                <a:effectLst/>
+                <a:latin typeface="Times New Roman" panose="02020603050405020304" pitchFamily="18" charset="0"/>
+                <a:ea typeface="Times New Roman" panose="02020603050405020304" pitchFamily="18" charset="0"/>
+                <a:cs typeface="Times New Roman" panose="02020603050405020304" pitchFamily="18" charset="0"/>
+              </a:rPr>
+              <a:t> </a:t>
+            </a:r>
+            <a:endParaRPr lang="ru-RU" sz="1400" dirty="0">
+              <a:effectLst/>
+              <a:latin typeface="Calibri" panose="020F0502020204030204" pitchFamily="34" charset="0"/>
+              <a:ea typeface="Calibri" panose="020F0502020204030204" pitchFamily="34" charset="0"/>
+              <a:cs typeface="Times New Roman" panose="02020603050405020304" pitchFamily="18" charset="0"/>
+            </a:endParaRPr>
+          </a:p>
+          <a:p>
+            <a:pPr algn="ctr"/>
+            <a:r>
+              <a:rPr lang="ru-RU" sz="1800" dirty="0">
+                <a:effectLst/>
+                <a:latin typeface="Times New Roman" panose="02020603050405020304" pitchFamily="18" charset="0"/>
+                <a:ea typeface="Times New Roman" panose="02020603050405020304" pitchFamily="18" charset="0"/>
+                <a:cs typeface="Times New Roman" panose="02020603050405020304" pitchFamily="18" charset="0"/>
+              </a:rPr>
+              <a:t>Учреждение образования</a:t>
+            </a:r>
+            <a:endParaRPr lang="ru-RU" sz="1400" dirty="0">
+              <a:effectLst/>
+              <a:latin typeface="Calibri" panose="020F0502020204030204" pitchFamily="34" charset="0"/>
+              <a:ea typeface="Calibri" panose="020F0502020204030204" pitchFamily="34" charset="0"/>
+              <a:cs typeface="Times New Roman" panose="02020603050405020304" pitchFamily="18" charset="0"/>
+            </a:endParaRPr>
+          </a:p>
+          <a:p>
+            <a:pPr algn="ctr"/>
+            <a:r>
+              <a:rPr lang="ru-RU" sz="1800" dirty="0">
+                <a:effectLst/>
+                <a:latin typeface="Times New Roman" panose="02020603050405020304" pitchFamily="18" charset="0"/>
+                <a:ea typeface="Times New Roman" panose="02020603050405020304" pitchFamily="18" charset="0"/>
+                <a:cs typeface="Times New Roman" panose="02020603050405020304" pitchFamily="18" charset="0"/>
+              </a:rPr>
+              <a:t>«Гомельский государственный технический университет </a:t>
+            </a:r>
+            <a:endParaRPr lang="ru-RU" sz="1400" dirty="0">
+              <a:effectLst/>
+              <a:latin typeface="Calibri" panose="020F0502020204030204" pitchFamily="34" charset="0"/>
+              <a:ea typeface="Calibri" panose="020F0502020204030204" pitchFamily="34" charset="0"/>
+              <a:cs typeface="Times New Roman" panose="02020603050405020304" pitchFamily="18" charset="0"/>
+            </a:endParaRPr>
+          </a:p>
+          <a:p>
+            <a:pPr algn="ctr"/>
+            <a:r>
+              <a:rPr lang="ru-RU" sz="1800" dirty="0">
+                <a:effectLst/>
+                <a:latin typeface="Times New Roman" panose="02020603050405020304" pitchFamily="18" charset="0"/>
+                <a:ea typeface="Times New Roman" panose="02020603050405020304" pitchFamily="18" charset="0"/>
+                <a:cs typeface="Times New Roman" panose="02020603050405020304" pitchFamily="18" charset="0"/>
+              </a:rPr>
+              <a:t>имени П.О. Сухого»</a:t>
+            </a:r>
+            <a:endParaRPr lang="ru-RU" sz="1400" dirty="0">
+              <a:effectLst/>
+              <a:latin typeface="Calibri" panose="020F0502020204030204" pitchFamily="34" charset="0"/>
+              <a:ea typeface="Calibri" panose="020F0502020204030204" pitchFamily="34" charset="0"/>
+              <a:cs typeface="Times New Roman" panose="02020603050405020304" pitchFamily="18" charset="0"/>
+            </a:endParaRPr>
+          </a:p>
+          <a:p>
+            <a:pPr algn="ctr"/>
+            <a:r>
+              <a:rPr lang="ru-RU" sz="1800" dirty="0">
+                <a:effectLst/>
+                <a:latin typeface="Times New Roman" panose="02020603050405020304" pitchFamily="18" charset="0"/>
+                <a:ea typeface="Times New Roman" panose="02020603050405020304" pitchFamily="18" charset="0"/>
+                <a:cs typeface="Times New Roman" panose="02020603050405020304" pitchFamily="18" charset="0"/>
+              </a:rPr>
+              <a:t> </a:t>
+            </a:r>
+            <a:endParaRPr lang="ru-RU" sz="1400" dirty="0">
+              <a:effectLst/>
+              <a:latin typeface="Calibri" panose="020F0502020204030204" pitchFamily="34" charset="0"/>
+              <a:ea typeface="Calibri" panose="020F0502020204030204" pitchFamily="34" charset="0"/>
+              <a:cs typeface="Times New Roman" panose="02020603050405020304" pitchFamily="18" charset="0"/>
+            </a:endParaRPr>
+          </a:p>
+          <a:p>
+            <a:pPr algn="ctr"/>
+            <a:r>
+              <a:rPr lang="ru-RU" sz="1800" dirty="0">
+                <a:effectLst/>
+                <a:latin typeface="Times New Roman" panose="02020603050405020304" pitchFamily="18" charset="0"/>
+                <a:ea typeface="Times New Roman" panose="02020603050405020304" pitchFamily="18" charset="0"/>
+                <a:cs typeface="Times New Roman" panose="02020603050405020304" pitchFamily="18" charset="0"/>
+              </a:rPr>
+              <a:t>Факультет автоматизированных и информационных систем</a:t>
+            </a:r>
+            <a:endParaRPr lang="ru-RU" sz="1400" dirty="0">
+              <a:effectLst/>
+              <a:latin typeface="Calibri" panose="020F0502020204030204" pitchFamily="34" charset="0"/>
+              <a:ea typeface="Calibri" panose="020F0502020204030204" pitchFamily="34" charset="0"/>
+              <a:cs typeface="Times New Roman" panose="02020603050405020304" pitchFamily="18" charset="0"/>
+            </a:endParaRPr>
+          </a:p>
+          <a:p>
+            <a:pPr algn="ctr"/>
+            <a:r>
+              <a:rPr lang="ru-RU" sz="1800" dirty="0">
+                <a:effectLst/>
+                <a:latin typeface="Times New Roman" panose="02020603050405020304" pitchFamily="18" charset="0"/>
+                <a:ea typeface="Times New Roman" panose="02020603050405020304" pitchFamily="18" charset="0"/>
+                <a:cs typeface="Times New Roman" panose="02020603050405020304" pitchFamily="18" charset="0"/>
+              </a:rPr>
+              <a:t> </a:t>
+            </a:r>
+            <a:endParaRPr lang="ru-RU" sz="1400" dirty="0">
+              <a:effectLst/>
+              <a:latin typeface="Calibri" panose="020F0502020204030204" pitchFamily="34" charset="0"/>
+              <a:ea typeface="Calibri" panose="020F0502020204030204" pitchFamily="34" charset="0"/>
+              <a:cs typeface="Times New Roman" panose="02020603050405020304" pitchFamily="18" charset="0"/>
+            </a:endParaRPr>
+          </a:p>
+          <a:p>
+            <a:pPr algn="ctr"/>
+            <a:r>
+              <a:rPr lang="ru-RU" sz="1800" dirty="0">
+                <a:effectLst/>
+                <a:latin typeface="Times New Roman" panose="02020603050405020304" pitchFamily="18" charset="0"/>
+                <a:ea typeface="Times New Roman" panose="02020603050405020304" pitchFamily="18" charset="0"/>
+                <a:cs typeface="Times New Roman" panose="02020603050405020304" pitchFamily="18" charset="0"/>
+              </a:rPr>
+              <a:t>Кафедра «Информационные технологии»</a:t>
+            </a:r>
+            <a:endParaRPr lang="ru-RU" sz="1400" dirty="0">
+              <a:effectLst/>
+              <a:latin typeface="Calibri" panose="020F0502020204030204" pitchFamily="34" charset="0"/>
+              <a:ea typeface="Calibri" panose="020F0502020204030204" pitchFamily="34" charset="0"/>
+              <a:cs typeface="Times New Roman" panose="02020603050405020304" pitchFamily="18" charset="0"/>
+            </a:endParaRPr>
+          </a:p>
+          <a:p>
+            <a:pPr algn="ctr"/>
+            <a:r>
+              <a:rPr lang="ru-RU" sz="1800" dirty="0">
+                <a:effectLst/>
+                <a:latin typeface="Times New Roman" panose="02020603050405020304" pitchFamily="18" charset="0"/>
+                <a:ea typeface="Times New Roman" panose="02020603050405020304" pitchFamily="18" charset="0"/>
+                <a:cs typeface="Times New Roman" panose="02020603050405020304" pitchFamily="18" charset="0"/>
+              </a:rPr>
+              <a:t> </a:t>
+            </a:r>
+            <a:endParaRPr lang="ru-RU" sz="1400" dirty="0">
+              <a:effectLst/>
+              <a:latin typeface="Calibri" panose="020F0502020204030204" pitchFamily="34" charset="0"/>
+              <a:ea typeface="Calibri" panose="020F0502020204030204" pitchFamily="34" charset="0"/>
+              <a:cs typeface="Times New Roman" panose="02020603050405020304" pitchFamily="18" charset="0"/>
+            </a:endParaRPr>
+          </a:p>
+          <a:p>
+            <a:pPr algn="ctr"/>
+            <a:r>
+              <a:rPr lang="ru-RU" sz="1800" dirty="0">
+                <a:effectLst/>
+                <a:latin typeface="Times New Roman" panose="02020603050405020304" pitchFamily="18" charset="0"/>
+                <a:ea typeface="Times New Roman" panose="02020603050405020304" pitchFamily="18" charset="0"/>
+                <a:cs typeface="Times New Roman" panose="02020603050405020304" pitchFamily="18" charset="0"/>
+              </a:rPr>
+              <a:t>направление специальности 1-40 05 01-12 Информационные системы и</a:t>
+            </a:r>
+            <a:br>
+              <a:rPr lang="ru-RU" sz="1800" dirty="0">
+                <a:effectLst/>
+                <a:latin typeface="Times New Roman" panose="02020603050405020304" pitchFamily="18" charset="0"/>
+                <a:ea typeface="Times New Roman" panose="02020603050405020304" pitchFamily="18" charset="0"/>
+                <a:cs typeface="Times New Roman" panose="02020603050405020304" pitchFamily="18" charset="0"/>
+              </a:rPr>
+            </a:br>
+            <a:r>
+              <a:rPr lang="ru-RU" sz="1800" dirty="0">
+                <a:effectLst/>
+                <a:latin typeface="Times New Roman" panose="02020603050405020304" pitchFamily="18" charset="0"/>
+                <a:ea typeface="Times New Roman" panose="02020603050405020304" pitchFamily="18" charset="0"/>
+                <a:cs typeface="Times New Roman" panose="02020603050405020304" pitchFamily="18" charset="0"/>
+              </a:rPr>
+              <a:t>технологии (в игровой индустрии)</a:t>
+            </a:r>
+            <a:endParaRPr lang="ru-RU" sz="1400" dirty="0">
+              <a:effectLst/>
+              <a:latin typeface="Calibri" panose="020F0502020204030204" pitchFamily="34" charset="0"/>
+              <a:ea typeface="Calibri" panose="020F0502020204030204" pitchFamily="34" charset="0"/>
+              <a:cs typeface="Times New Roman" panose="02020603050405020304" pitchFamily="18" charset="0"/>
+            </a:endParaRPr>
+          </a:p>
+          <a:p>
+            <a:pPr algn="ctr"/>
+            <a:r>
+              <a:rPr lang="ru-RU" sz="1800" dirty="0">
+                <a:effectLst/>
+                <a:latin typeface="Times New Roman" panose="02020603050405020304" pitchFamily="18" charset="0"/>
+                <a:ea typeface="Times New Roman" panose="02020603050405020304" pitchFamily="18" charset="0"/>
+                <a:cs typeface="Times New Roman" panose="02020603050405020304" pitchFamily="18" charset="0"/>
+              </a:rPr>
+              <a:t>  </a:t>
+            </a:r>
+            <a:endParaRPr lang="ru-RU" sz="1400" dirty="0">
+              <a:effectLst/>
+              <a:latin typeface="Calibri" panose="020F0502020204030204" pitchFamily="34" charset="0"/>
+              <a:ea typeface="Calibri" panose="020F0502020204030204" pitchFamily="34" charset="0"/>
+              <a:cs typeface="Times New Roman" panose="02020603050405020304" pitchFamily="18" charset="0"/>
+            </a:endParaRPr>
+          </a:p>
+          <a:p>
+            <a:pPr algn="ctr"/>
+            <a:r>
+              <a:rPr lang="ru-RU" dirty="0">
+                <a:latin typeface="Times New Roman" panose="02020603050405020304" pitchFamily="18" charset="0"/>
+                <a:ea typeface="Times New Roman" panose="02020603050405020304" pitchFamily="18" charset="0"/>
+                <a:cs typeface="Times New Roman" panose="02020603050405020304" pitchFamily="18" charset="0"/>
+              </a:rPr>
+              <a:t>КУРСОВАЯ РАБОТА</a:t>
+            </a:r>
+            <a:endParaRPr lang="ru-RU" sz="1400" dirty="0">
+              <a:effectLst/>
+              <a:latin typeface="Calibri" panose="020F0502020204030204" pitchFamily="34" charset="0"/>
+              <a:ea typeface="Calibri" panose="020F0502020204030204" pitchFamily="34" charset="0"/>
+              <a:cs typeface="Times New Roman" panose="02020603050405020304" pitchFamily="18" charset="0"/>
+            </a:endParaRPr>
+          </a:p>
+          <a:p>
+            <a:pPr algn="ctr"/>
+            <a:r>
+              <a:rPr lang="ru-RU" sz="1800" dirty="0">
+                <a:effectLst/>
+                <a:latin typeface="Times New Roman" panose="02020603050405020304" pitchFamily="18" charset="0"/>
+                <a:ea typeface="Times New Roman" panose="02020603050405020304" pitchFamily="18" charset="0"/>
+                <a:cs typeface="Times New Roman" panose="02020603050405020304" pitchFamily="18" charset="0"/>
+              </a:rPr>
+              <a:t>по дисциплине «Распределённые информационные системы»</a:t>
+            </a:r>
+            <a:endParaRPr lang="ru-RU" sz="1400" dirty="0">
+              <a:effectLst/>
+              <a:latin typeface="Calibri" panose="020F0502020204030204" pitchFamily="34" charset="0"/>
+              <a:ea typeface="Calibri" panose="020F0502020204030204" pitchFamily="34" charset="0"/>
+              <a:cs typeface="Times New Roman" panose="02020603050405020304" pitchFamily="18" charset="0"/>
+            </a:endParaRPr>
+          </a:p>
+          <a:p>
+            <a:pPr algn="ctr"/>
+            <a:r>
+              <a:rPr lang="ru-RU" sz="1800" dirty="0">
+                <a:effectLst/>
+                <a:latin typeface="Times New Roman" panose="02020603050405020304" pitchFamily="18" charset="0"/>
+                <a:ea typeface="Times New Roman" panose="02020603050405020304" pitchFamily="18" charset="0"/>
+                <a:cs typeface="Times New Roman" panose="02020603050405020304" pitchFamily="18" charset="0"/>
+              </a:rPr>
+              <a:t>  </a:t>
+            </a:r>
+            <a:endParaRPr lang="ru-RU" sz="1400" dirty="0">
+              <a:effectLst/>
+              <a:latin typeface="Calibri" panose="020F0502020204030204" pitchFamily="34" charset="0"/>
+              <a:ea typeface="Calibri" panose="020F0502020204030204" pitchFamily="34" charset="0"/>
+              <a:cs typeface="Times New Roman" panose="02020603050405020304" pitchFamily="18" charset="0"/>
+            </a:endParaRPr>
+          </a:p>
+          <a:p>
+            <a:pPr algn="ctr">
+              <a:lnSpc>
+                <a:spcPct val="110000"/>
+              </a:lnSpc>
+              <a:spcAft>
+                <a:spcPts val="1000"/>
+              </a:spcAft>
+            </a:pPr>
+            <a:r>
+              <a:rPr lang="ru-RU" sz="1800" dirty="0">
+                <a:effectLst/>
+                <a:latin typeface="Times New Roman" panose="02020603050405020304" pitchFamily="18" charset="0"/>
+                <a:ea typeface="Times New Roman" panose="02020603050405020304" pitchFamily="18" charset="0"/>
+                <a:cs typeface="Times New Roman" panose="02020603050405020304" pitchFamily="18" charset="0"/>
+              </a:rPr>
+              <a:t>на тему: «</a:t>
+            </a:r>
             <a:r>
               <a:rPr lang="ru-RU" dirty="0">
                 <a:latin typeface="Times New Roman" panose="02020603050405020304" pitchFamily="18" charset="0"/>
                 <a:cs typeface="Times New Roman" panose="02020603050405020304" pitchFamily="18" charset="0"/>
-                <a:sym typeface="+mn-ea"/>
               </a:rPr>
-              <a:t>Выполил: студент группы ИТИ-</a:t>
-            </a:r>
-            <a:r>
-              <a:rPr lang="en-US" dirty="0">
+              <a:t>Master-</a:t>
+            </a:r>
+            <a:r>
+              <a:rPr lang="ru-RU" dirty="0" err="1">
                 <a:latin typeface="Times New Roman" panose="02020603050405020304" pitchFamily="18" charset="0"/>
                 <a:cs typeface="Times New Roman" panose="02020603050405020304" pitchFamily="18" charset="0"/>
-                <a:sym typeface="+mn-ea"/>
               </a:rPr>
-              <a:t>41</a:t>
+              <a:t>slave</a:t>
             </a:r>
             <a:r>
               <a:rPr lang="ru-RU" dirty="0">
                 <a:latin typeface="Times New Roman" panose="02020603050405020304" pitchFamily="18" charset="0"/>
                 <a:cs typeface="Times New Roman" panose="02020603050405020304" pitchFamily="18" charset="0"/>
-                <a:sym typeface="+mn-ea"/>
               </a:rPr>
-              <a:t> </a:t>
-            </a:r>
-          </a:p>
-          <a:p>
-            <a:pPr algn="l"/>
-            <a:r>
-              <a:rPr lang="ru-RU" dirty="0" err="1">
+              <a:t> система на основе TCP для применения оператора Робертса к изображению</a:t>
+            </a:r>
+            <a:r>
+              <a:rPr lang="ru-RU" sz="1800" dirty="0">
+                <a:effectLst/>
                 <a:latin typeface="Times New Roman" panose="02020603050405020304" pitchFamily="18" charset="0"/>
+                <a:ea typeface="Times New Roman" panose="02020603050405020304" pitchFamily="18" charset="0"/>
                 <a:cs typeface="Times New Roman" panose="02020603050405020304" pitchFamily="18" charset="0"/>
-                <a:sym typeface="+mn-ea"/>
               </a:rPr>
-              <a:t>Ковшаров Г. Ю.</a:t>
-            </a:r>
-            <a:endParaRPr lang="en-US" dirty="0">
-              <a:solidFill>
-                <a:schemeClr val="tx1"/>
-              </a:solidFill>
-              <a:latin typeface="Times New Roman" panose="02020603050405020304" pitchFamily="18" charset="0"/>
+              <a:t>»</a:t>
+            </a:r>
+            <a:endParaRPr lang="ru-RU" sz="1400" dirty="0">
+              <a:effectLst/>
+              <a:latin typeface="Calibri" panose="020F0502020204030204" pitchFamily="34" charset="0"/>
+              <a:ea typeface="Calibri" panose="020F0502020204030204" pitchFamily="34" charset="0"/>
               <a:cs typeface="Times New Roman" panose="02020603050405020304" pitchFamily="18" charset="0"/>
             </a:endParaRPr>
           </a:p>
-          <a:p>
-            <a:pPr algn="l"/>
+        </p:txBody>
+      </p:sp>
+      <p:sp>
+        <p:nvSpPr>
+          <p:cNvPr id="9" name="TextBox 8">
+            <a:extLst>
+              <a:ext uri="{FF2B5EF4-FFF2-40B4-BE49-F238E27FC236}">
+                <a16:creationId xmlns:a16="http://schemas.microsoft.com/office/drawing/2014/main" id="{C0936313-0F68-4F7A-8332-0C375C926DD8}"/>
+              </a:ext>
+            </a:extLst>
+          </p:cNvPr>
+          <p:cNvSpPr txBox="1"/>
+          <p:nvPr/>
+        </p:nvSpPr>
+        <p:spPr>
+          <a:xfrm>
+            <a:off x="5448822" y="5419677"/>
+            <a:ext cx="6743178" cy="1200329"/>
+          </a:xfrm>
+          <a:prstGeom prst="rect">
+            <a:avLst/>
+          </a:prstGeom>
+          <a:noFill/>
+        </p:spPr>
+        <p:txBody>
+          <a:bodyPr wrap="square">
+            <a:spAutoFit/>
+          </a:bodyPr>
+          <a:lstStyle/>
+          <a:p>
+            <a:pPr marL="2790825"/>
+            <a:r>
+              <a:rPr lang="ru-RU" sz="1800" dirty="0">
+                <a:effectLst/>
+                <a:latin typeface="Times New Roman" panose="02020603050405020304" pitchFamily="18" charset="0"/>
+                <a:ea typeface="Times New Roman" panose="02020603050405020304" pitchFamily="18" charset="0"/>
+                <a:cs typeface="Times New Roman" panose="02020603050405020304" pitchFamily="18" charset="0"/>
+              </a:rPr>
+              <a:t>Исполнитель: студент группы ИТИ-41</a:t>
+            </a:r>
+            <a:endParaRPr lang="ru-RU" sz="1800" dirty="0">
+              <a:effectLst/>
+              <a:latin typeface="Calibri" panose="020F0502020204030204" pitchFamily="34" charset="0"/>
+              <a:ea typeface="Calibri" panose="020F0502020204030204" pitchFamily="34" charset="0"/>
+              <a:cs typeface="Times New Roman" panose="02020603050405020304" pitchFamily="18" charset="0"/>
+            </a:endParaRPr>
+          </a:p>
+          <a:p>
+            <a:pPr marL="3870960"/>
+            <a:r>
+              <a:rPr lang="ru-RU" sz="1800" dirty="0">
+                <a:effectLst/>
+                <a:latin typeface="Times New Roman" panose="02020603050405020304" pitchFamily="18" charset="0"/>
+                <a:ea typeface="Times New Roman" panose="02020603050405020304" pitchFamily="18" charset="0"/>
+                <a:cs typeface="Times New Roman" panose="02020603050405020304" pitchFamily="18" charset="0"/>
+              </a:rPr>
+              <a:t>     Ковшаров</a:t>
+            </a:r>
             <a:r>
               <a:rPr lang="ru-RU" dirty="0">
                 <a:latin typeface="Times New Roman" panose="02020603050405020304" pitchFamily="18" charset="0"/>
+                <a:ea typeface="Times New Roman" panose="02020603050405020304" pitchFamily="18" charset="0"/>
                 <a:cs typeface="Times New Roman" panose="02020603050405020304" pitchFamily="18" charset="0"/>
-                <a:sym typeface="+mn-ea"/>
               </a:rPr>
-              <a:t>Руководитель: </a:t>
-            </a:r>
-            <a:r>
-              <a:rPr lang="ru-RU" dirty="0" err="1">
+              <a:t> Г. Ю.</a:t>
+            </a:r>
+            <a:endParaRPr lang="ru-RU" sz="1800" dirty="0">
+              <a:effectLst/>
+              <a:latin typeface="Calibri" panose="020F0502020204030204" pitchFamily="34" charset="0"/>
+              <a:ea typeface="Calibri" panose="020F0502020204030204" pitchFamily="34" charset="0"/>
+              <a:cs typeface="Times New Roman" panose="02020603050405020304" pitchFamily="18" charset="0"/>
+            </a:endParaRPr>
+          </a:p>
+          <a:p>
+            <a:pPr marL="2790825">
+              <a:tabLst>
+                <a:tab pos="4140835" algn="l"/>
+              </a:tabLst>
+            </a:pPr>
+            <a:r>
+              <a:rPr lang="ru-RU" sz="1800" dirty="0">
+                <a:effectLst/>
                 <a:latin typeface="Times New Roman" panose="02020603050405020304" pitchFamily="18" charset="0"/>
+                <a:ea typeface="Times New Roman" panose="02020603050405020304" pitchFamily="18" charset="0"/>
                 <a:cs typeface="Times New Roman" panose="02020603050405020304" pitchFamily="18" charset="0"/>
-                <a:sym typeface="+mn-ea"/>
+              </a:rPr>
+              <a:t>Руководитель: доцент</a:t>
+            </a:r>
+            <a:endParaRPr lang="ru-RU" sz="1800" dirty="0">
+              <a:effectLst/>
+              <a:latin typeface="Calibri" panose="020F0502020204030204" pitchFamily="34" charset="0"/>
+              <a:ea typeface="Calibri" panose="020F0502020204030204" pitchFamily="34" charset="0"/>
+              <a:cs typeface="Times New Roman" panose="02020603050405020304" pitchFamily="18" charset="0"/>
+            </a:endParaRPr>
+          </a:p>
+          <a:p>
+            <a:pPr marL="3870960"/>
+            <a:r>
+              <a:rPr lang="ru-RU" sz="1800" dirty="0">
+                <a:effectLst/>
+                <a:latin typeface="Times New Roman" panose="02020603050405020304" pitchFamily="18" charset="0"/>
+                <a:ea typeface="Times New Roman" panose="02020603050405020304" pitchFamily="18" charset="0"/>
+                <a:cs typeface="Times New Roman" panose="02020603050405020304" pitchFamily="18" charset="0"/>
+              </a:rPr>
+              <a:t>     </a:t>
+            </a:r>
+            <a:r>
+              <a:rPr lang="ru-RU" sz="1800" dirty="0" err="1">
+                <a:effectLst/>
+                <a:latin typeface="Times New Roman" panose="02020603050405020304" pitchFamily="18" charset="0"/>
+                <a:ea typeface="Times New Roman" panose="02020603050405020304" pitchFamily="18" charset="0"/>
+                <a:cs typeface="Times New Roman" panose="02020603050405020304" pitchFamily="18" charset="0"/>
               </a:rPr>
               <a:t>Комраков</a:t>
             </a:r>
             <a:r>
-              <a:rPr lang="ru-RU" dirty="0">
+              <a:rPr lang="ru-RU" sz="1800" dirty="0">
+                <a:effectLst/>
                 <a:latin typeface="Times New Roman" panose="02020603050405020304" pitchFamily="18" charset="0"/>
+                <a:ea typeface="Times New Roman" panose="02020603050405020304" pitchFamily="18" charset="0"/>
                 <a:cs typeface="Times New Roman" panose="02020603050405020304" pitchFamily="18" charset="0"/>
-                <a:sym typeface="+mn-ea"/>
               </a:rPr>
               <a:t> В. В.</a:t>
             </a:r>
-            <a:endParaRPr lang="en-US" dirty="0"/>
-          </a:p>
-        </p:txBody>
-      </p:sp>
+            <a:endParaRPr lang="ru-RU" sz="1800" dirty="0">
+              <a:effectLst/>
+              <a:latin typeface="Calibri" panose="020F0502020204030204" pitchFamily="34" charset="0"/>
+              <a:ea typeface="Calibri" panose="020F0502020204030204" pitchFamily="34" charset="0"/>
+              <a:cs typeface="Times New Roman" panose="02020603050405020304" pitchFamily="18" charset="0"/>
+            </a:endParaRPr>
+          </a:p>
+        </p:txBody>
+      </p:sp>
+      <p:pic>
+        <p:nvPicPr>
+          <p:cNvPr id="2" name="Рисунок 1">
+            <a:extLst>
+              <a:ext uri="{FF2B5EF4-FFF2-40B4-BE49-F238E27FC236}">
+                <a16:creationId xmlns:a16="http://schemas.microsoft.com/office/drawing/2014/main" id="{0171E900-3C53-01DF-8415-BE0FE5A7C5B5}"/>
+              </a:ext>
+            </a:extLst>
+          </p:cNvPr>
+          <p:cNvPicPr>
+            <a:picLocks noChangeAspect="1"/>
+          </p:cNvPicPr>
+          <p:nvPr/>
+        </p:nvPicPr>
+        <p:blipFill rotWithShape="1">
+          <a:blip r:embed="rId2" cstate="print">
+            <a:extLst>
+              <a:ext uri="{28A0092B-C50C-407E-A947-70E740481C1C}">
+                <a14:useLocalDpi xmlns:a14="http://schemas.microsoft.com/office/drawing/2010/main" val="0"/>
+              </a:ext>
+            </a:extLst>
+          </a:blip>
+          <a:srcRect b="16254"/>
+          <a:stretch/>
+        </p:blipFill>
+        <p:spPr>
+          <a:xfrm>
+            <a:off x="-175188" y="5602682"/>
+            <a:ext cx="1654498" cy="1316567"/>
+          </a:xfrm>
+          <a:prstGeom prst="rect">
+            <a:avLst/>
+          </a:prstGeom>
+        </p:spPr>
+      </p:pic>
     </p:spTree>
+    <p:extLst>
+      <p:ext uri="{BB962C8B-B14F-4D97-AF65-F5344CB8AC3E}">
+        <p14:creationId xmlns:p14="http://schemas.microsoft.com/office/powerpoint/2010/main" val="2957705785"/>
+      </p:ext>
+    </p:extLst>
   </p:cSld>
   <p:clrMapOvr>
     <a:masterClrMapping/>
@@ -3107,6 +3518,41 @@
             <a:off x="1931501" y="1538288"/>
             <a:ext cx="8328998" cy="5194300"/>
           </a:xfrm>
+        </p:spPr>
+      </p:pic>
+      <p:pic>
+        <p:nvPicPr>
+          <p:cNvPr id="3" name="Рисунок 1">
+            <a:extLst>
+              <a:ext uri="{FF2B5EF4-FFF2-40B4-BE49-F238E27FC236}">
+                <a16:creationId xmlns:a16="http://schemas.microsoft.com/office/drawing/2014/main" id="{AB423BC7-4404-D712-07DB-EDD1E903F87D}"/>
+              </a:ext>
+            </a:extLst>
+          </p:cNvPr>
+          <p:cNvPicPr>
+            <a:picLocks noChangeAspect="1"/>
+          </p:cNvPicPr>
+          <p:nvPr/>
+        </p:nvPicPr>
+        <p:blipFill rotWithShape="1">
+          <a:blip r:embed="rId3" cstate="print">
+            <a:extLst>
+              <a:ext uri="{28A0092B-C50C-407E-A947-70E740481C1C}">
+                <a14:useLocalDpi xmlns:a14="http://schemas.microsoft.com/office/drawing/2010/main" val="0"/>
+              </a:ext>
+            </a:extLst>
+          </a:blip>
+          <a:srcRect b="16254"/>
+          <a:stretch/>
+        </p:blipFill>
+        <p:spPr>
+          <a:xfrm>
+            <a:off x="-175188" y="5602682"/>
+            <a:ext cx="1654498" cy="1316567"/>
+          </a:xfrm>
+          <a:prstGeom prst="rect">
+            <a:avLst/>
+          </a:prstGeom>
         </p:spPr>
       </p:pic>
     </p:spTree>
@@ -3230,6 +3676,41 @@
           </a:p>
         </p:txBody>
       </p:sp>
+      <p:pic>
+        <p:nvPicPr>
+          <p:cNvPr id="4" name="Рисунок 1">
+            <a:extLst>
+              <a:ext uri="{FF2B5EF4-FFF2-40B4-BE49-F238E27FC236}">
+                <a16:creationId xmlns:a16="http://schemas.microsoft.com/office/drawing/2014/main" id="{616D65D4-4429-E5A6-0E27-BE8B735DA76E}"/>
+              </a:ext>
+            </a:extLst>
+          </p:cNvPr>
+          <p:cNvPicPr>
+            <a:picLocks noChangeAspect="1"/>
+          </p:cNvPicPr>
+          <p:nvPr/>
+        </p:nvPicPr>
+        <p:blipFill rotWithShape="1">
+          <a:blip r:embed="rId2" cstate="print">
+            <a:extLst>
+              <a:ext uri="{28A0092B-C50C-407E-A947-70E740481C1C}">
+                <a14:useLocalDpi xmlns:a14="http://schemas.microsoft.com/office/drawing/2010/main" val="0"/>
+              </a:ext>
+            </a:extLst>
+          </a:blip>
+          <a:srcRect b="16254"/>
+          <a:stretch/>
+        </p:blipFill>
+        <p:spPr>
+          <a:xfrm>
+            <a:off x="-175188" y="5602682"/>
+            <a:ext cx="1654498" cy="1316567"/>
+          </a:xfrm>
+          <a:prstGeom prst="rect">
+            <a:avLst/>
+          </a:prstGeom>
+        </p:spPr>
+      </p:pic>
     </p:spTree>
   </p:cSld>
   <p:clrMapOvr>
@@ -3526,6 +4007,41 @@
           </a:p>
         </p:txBody>
       </p:sp>
+      <p:pic>
+        <p:nvPicPr>
+          <p:cNvPr id="5" name="Рисунок 1">
+            <a:extLst>
+              <a:ext uri="{FF2B5EF4-FFF2-40B4-BE49-F238E27FC236}">
+                <a16:creationId xmlns:a16="http://schemas.microsoft.com/office/drawing/2014/main" id="{E4A65661-720C-2113-DAEC-2C5708687636}"/>
+              </a:ext>
+            </a:extLst>
+          </p:cNvPr>
+          <p:cNvPicPr>
+            <a:picLocks noChangeAspect="1"/>
+          </p:cNvPicPr>
+          <p:nvPr/>
+        </p:nvPicPr>
+        <p:blipFill rotWithShape="1">
+          <a:blip r:embed="rId2" cstate="print">
+            <a:extLst>
+              <a:ext uri="{28A0092B-C50C-407E-A947-70E740481C1C}">
+                <a14:useLocalDpi xmlns:a14="http://schemas.microsoft.com/office/drawing/2010/main" val="0"/>
+              </a:ext>
+            </a:extLst>
+          </a:blip>
+          <a:srcRect b="16254"/>
+          <a:stretch/>
+        </p:blipFill>
+        <p:spPr>
+          <a:xfrm>
+            <a:off x="-175188" y="5594518"/>
+            <a:ext cx="1654498" cy="1316567"/>
+          </a:xfrm>
+          <a:prstGeom prst="rect">
+            <a:avLst/>
+          </a:prstGeom>
+        </p:spPr>
+      </p:pic>
     </p:spTree>
   </p:cSld>
   <p:clrMapOvr>
@@ -3681,6 +4197,41 @@
           </a:p>
         </p:txBody>
       </p:sp>
+      <p:pic>
+        <p:nvPicPr>
+          <p:cNvPr id="3" name="Рисунок 1">
+            <a:extLst>
+              <a:ext uri="{FF2B5EF4-FFF2-40B4-BE49-F238E27FC236}">
+                <a16:creationId xmlns:a16="http://schemas.microsoft.com/office/drawing/2014/main" id="{B625D048-0355-494C-8BC1-8625AB3F6FE5}"/>
+              </a:ext>
+            </a:extLst>
+          </p:cNvPr>
+          <p:cNvPicPr>
+            <a:picLocks noChangeAspect="1"/>
+          </p:cNvPicPr>
+          <p:nvPr/>
+        </p:nvPicPr>
+        <p:blipFill rotWithShape="1">
+          <a:blip r:embed="rId2" cstate="print">
+            <a:extLst>
+              <a:ext uri="{28A0092B-C50C-407E-A947-70E740481C1C}">
+                <a14:useLocalDpi xmlns:a14="http://schemas.microsoft.com/office/drawing/2010/main" val="0"/>
+              </a:ext>
+            </a:extLst>
+          </a:blip>
+          <a:srcRect b="16254"/>
+          <a:stretch/>
+        </p:blipFill>
+        <p:spPr>
+          <a:xfrm>
+            <a:off x="-175188" y="5602682"/>
+            <a:ext cx="1654498" cy="1316567"/>
+          </a:xfrm>
+          <a:prstGeom prst="rect">
+            <a:avLst/>
+          </a:prstGeom>
+        </p:spPr>
+      </p:pic>
     </p:spTree>
   </p:cSld>
   <p:clrMapOvr>
@@ -3803,6 +4354,41 @@
           <a:xfrm>
             <a:off x="4662703" y="3813019"/>
             <a:ext cx="7004716" cy="2768756"/>
+          </a:xfrm>
+          <a:prstGeom prst="rect">
+            <a:avLst/>
+          </a:prstGeom>
+        </p:spPr>
+      </p:pic>
+      <p:pic>
+        <p:nvPicPr>
+          <p:cNvPr id="4" name="Рисунок 1">
+            <a:extLst>
+              <a:ext uri="{FF2B5EF4-FFF2-40B4-BE49-F238E27FC236}">
+                <a16:creationId xmlns:a16="http://schemas.microsoft.com/office/drawing/2014/main" id="{F38345FE-C9E7-8B60-4880-79D16976F0AB}"/>
+              </a:ext>
+            </a:extLst>
+          </p:cNvPr>
+          <p:cNvPicPr>
+            <a:picLocks noChangeAspect="1"/>
+          </p:cNvPicPr>
+          <p:nvPr/>
+        </p:nvPicPr>
+        <p:blipFill rotWithShape="1">
+          <a:blip r:embed="rId3" cstate="print">
+            <a:extLst>
+              <a:ext uri="{28A0092B-C50C-407E-A947-70E740481C1C}">
+                <a14:useLocalDpi xmlns:a14="http://schemas.microsoft.com/office/drawing/2010/main" val="0"/>
+              </a:ext>
+            </a:extLst>
+          </a:blip>
+          <a:srcRect b="16254"/>
+          <a:stretch/>
+        </p:blipFill>
+        <p:spPr>
+          <a:xfrm>
+            <a:off x="-175188" y="5602682"/>
+            <a:ext cx="1654498" cy="1316567"/>
           </a:xfrm>
           <a:prstGeom prst="rect">
             <a:avLst/>
@@ -3946,6 +4532,41 @@
           </a:p>
         </p:txBody>
       </p:sp>
+      <p:pic>
+        <p:nvPicPr>
+          <p:cNvPr id="4" name="Рисунок 1">
+            <a:extLst>
+              <a:ext uri="{FF2B5EF4-FFF2-40B4-BE49-F238E27FC236}">
+                <a16:creationId xmlns:a16="http://schemas.microsoft.com/office/drawing/2014/main" id="{0BD1C65D-975F-4637-E737-4069581A8CA2}"/>
+              </a:ext>
+            </a:extLst>
+          </p:cNvPr>
+          <p:cNvPicPr>
+            <a:picLocks noChangeAspect="1"/>
+          </p:cNvPicPr>
+          <p:nvPr/>
+        </p:nvPicPr>
+        <p:blipFill rotWithShape="1">
+          <a:blip r:embed="rId3" cstate="print">
+            <a:extLst>
+              <a:ext uri="{28A0092B-C50C-407E-A947-70E740481C1C}">
+                <a14:useLocalDpi xmlns:a14="http://schemas.microsoft.com/office/drawing/2010/main" val="0"/>
+              </a:ext>
+            </a:extLst>
+          </a:blip>
+          <a:srcRect b="16254"/>
+          <a:stretch/>
+        </p:blipFill>
+        <p:spPr>
+          <a:xfrm>
+            <a:off x="-175188" y="5602682"/>
+            <a:ext cx="1654498" cy="1316567"/>
+          </a:xfrm>
+          <a:prstGeom prst="rect">
+            <a:avLst/>
+          </a:prstGeom>
+        </p:spPr>
+      </p:pic>
     </p:spTree>
     <p:extLst>
       <p:ext uri="{BB962C8B-B14F-4D97-AF65-F5344CB8AC3E}">
@@ -4087,6 +4708,41 @@
           </a:p>
         </p:txBody>
       </p:sp>
+      <p:pic>
+        <p:nvPicPr>
+          <p:cNvPr id="5" name="Рисунок 1">
+            <a:extLst>
+              <a:ext uri="{FF2B5EF4-FFF2-40B4-BE49-F238E27FC236}">
+                <a16:creationId xmlns:a16="http://schemas.microsoft.com/office/drawing/2014/main" id="{810178E4-DB83-5905-07E9-914D193027C6}"/>
+              </a:ext>
+            </a:extLst>
+          </p:cNvPr>
+          <p:cNvPicPr>
+            <a:picLocks noChangeAspect="1"/>
+          </p:cNvPicPr>
+          <p:nvPr/>
+        </p:nvPicPr>
+        <p:blipFill rotWithShape="1">
+          <a:blip r:embed="rId3" cstate="print">
+            <a:extLst>
+              <a:ext uri="{28A0092B-C50C-407E-A947-70E740481C1C}">
+                <a14:useLocalDpi xmlns:a14="http://schemas.microsoft.com/office/drawing/2010/main" val="0"/>
+              </a:ext>
+            </a:extLst>
+          </a:blip>
+          <a:srcRect b="16254"/>
+          <a:stretch/>
+        </p:blipFill>
+        <p:spPr>
+          <a:xfrm>
+            <a:off x="-175188" y="5602682"/>
+            <a:ext cx="1654498" cy="1316567"/>
+          </a:xfrm>
+          <a:prstGeom prst="rect">
+            <a:avLst/>
+          </a:prstGeom>
+        </p:spPr>
+      </p:pic>
     </p:spTree>
   </p:cSld>
   <p:clrMapOvr>
@@ -4213,6 +4869,41 @@
           <a:xfrm>
             <a:off x="8058952" y="467159"/>
             <a:ext cx="3353268" cy="5992061"/>
+          </a:xfrm>
+          <a:prstGeom prst="rect">
+            <a:avLst/>
+          </a:prstGeom>
+        </p:spPr>
+      </p:pic>
+      <p:pic>
+        <p:nvPicPr>
+          <p:cNvPr id="3" name="Рисунок 1">
+            <a:extLst>
+              <a:ext uri="{FF2B5EF4-FFF2-40B4-BE49-F238E27FC236}">
+                <a16:creationId xmlns:a16="http://schemas.microsoft.com/office/drawing/2014/main" id="{A7599910-30CF-DB23-7840-FA6352BAE35E}"/>
+              </a:ext>
+            </a:extLst>
+          </p:cNvPr>
+          <p:cNvPicPr>
+            <a:picLocks noChangeAspect="1"/>
+          </p:cNvPicPr>
+          <p:nvPr/>
+        </p:nvPicPr>
+        <p:blipFill rotWithShape="1">
+          <a:blip r:embed="rId3" cstate="print">
+            <a:extLst>
+              <a:ext uri="{28A0092B-C50C-407E-A947-70E740481C1C}">
+                <a14:useLocalDpi xmlns:a14="http://schemas.microsoft.com/office/drawing/2010/main" val="0"/>
+              </a:ext>
+            </a:extLst>
+          </a:blip>
+          <a:srcRect b="16254"/>
+          <a:stretch/>
+        </p:blipFill>
+        <p:spPr>
+          <a:xfrm>
+            <a:off x="-175188" y="5602682"/>
+            <a:ext cx="1654498" cy="1316567"/>
           </a:xfrm>
           <a:prstGeom prst="rect">
             <a:avLst/>
@@ -4353,6 +5044,41 @@
           <a:xfrm>
             <a:off x="3129923" y="2729977"/>
             <a:ext cx="6313154" cy="3548268"/>
+          </a:xfrm>
+          <a:prstGeom prst="rect">
+            <a:avLst/>
+          </a:prstGeom>
+        </p:spPr>
+      </p:pic>
+      <p:pic>
+        <p:nvPicPr>
+          <p:cNvPr id="3" name="Рисунок 1">
+            <a:extLst>
+              <a:ext uri="{FF2B5EF4-FFF2-40B4-BE49-F238E27FC236}">
+                <a16:creationId xmlns:a16="http://schemas.microsoft.com/office/drawing/2014/main" id="{EEBD8D40-9BFD-7372-9D70-C3BE4B2D5477}"/>
+              </a:ext>
+            </a:extLst>
+          </p:cNvPr>
+          <p:cNvPicPr>
+            <a:picLocks noChangeAspect="1"/>
+          </p:cNvPicPr>
+          <p:nvPr/>
+        </p:nvPicPr>
+        <p:blipFill rotWithShape="1">
+          <a:blip r:embed="rId3" cstate="print">
+            <a:extLst>
+              <a:ext uri="{28A0092B-C50C-407E-A947-70E740481C1C}">
+                <a14:useLocalDpi xmlns:a14="http://schemas.microsoft.com/office/drawing/2010/main" val="0"/>
+              </a:ext>
+            </a:extLst>
+          </a:blip>
+          <a:srcRect b="16254"/>
+          <a:stretch/>
+        </p:blipFill>
+        <p:spPr>
+          <a:xfrm>
+            <a:off x="-175188" y="5602682"/>
+            <a:ext cx="1654498" cy="1316567"/>
           </a:xfrm>
           <a:prstGeom prst="rect">
             <a:avLst/>
@@ -4478,6 +5204,41 @@
           </a:p>
         </p:txBody>
       </p:sp>
+      <p:pic>
+        <p:nvPicPr>
+          <p:cNvPr id="3" name="Рисунок 1">
+            <a:extLst>
+              <a:ext uri="{FF2B5EF4-FFF2-40B4-BE49-F238E27FC236}">
+                <a16:creationId xmlns:a16="http://schemas.microsoft.com/office/drawing/2014/main" id="{F09C8DFD-05E9-9787-8584-6D82EDD3D7CB}"/>
+              </a:ext>
+            </a:extLst>
+          </p:cNvPr>
+          <p:cNvPicPr>
+            <a:picLocks noChangeAspect="1"/>
+          </p:cNvPicPr>
+          <p:nvPr/>
+        </p:nvPicPr>
+        <p:blipFill rotWithShape="1">
+          <a:blip r:embed="rId3" cstate="print">
+            <a:extLst>
+              <a:ext uri="{28A0092B-C50C-407E-A947-70E740481C1C}">
+                <a14:useLocalDpi xmlns:a14="http://schemas.microsoft.com/office/drawing/2010/main" val="0"/>
+              </a:ext>
+            </a:extLst>
+          </a:blip>
+          <a:srcRect b="16254"/>
+          <a:stretch/>
+        </p:blipFill>
+        <p:spPr>
+          <a:xfrm>
+            <a:off x="-175188" y="5602682"/>
+            <a:ext cx="1654498" cy="1316567"/>
+          </a:xfrm>
+          <a:prstGeom prst="rect">
+            <a:avLst/>
+          </a:prstGeom>
+        </p:spPr>
+      </p:pic>
     </p:spTree>
   </p:cSld>
   <p:clrMapOvr>
